--- a/Empathy and Timed Quests(1.1).pptx
+++ b/Empathy and Timed Quests(1.1).pptx
@@ -21,7 +21,8 @@
     <p:sldId id="304" r:id="rId15"/>
     <p:sldId id="314" r:id="rId16"/>
     <p:sldId id="306" r:id="rId17"/>
-    <p:sldId id="305" r:id="rId18"/>
+    <p:sldId id="315" r:id="rId18"/>
+    <p:sldId id="305" r:id="rId19"/>
   </p:sldIdLst>
   <p:sldSz cx="9144000" cy="6858000" type="screen4x3"/>
   <p:notesSz cx="6858000" cy="9144000"/>
@@ -4190,11 +4191,7 @@
             </a:r>
             <a:r>
               <a:rPr lang="en-US" dirty="0" smtClean="0"/>
-              <a:t> </a:t>
-            </a:r>
-            <a:r>
-              <a:rPr lang="en-US" dirty="0" smtClean="0"/>
-              <a:t>1.1</a:t>
+              <a:t> 1.1</a:t>
             </a:r>
             <a:endParaRPr lang="en-US" dirty="0"/>
           </a:p>
@@ -7405,7 +7402,6 @@
               <a:rPr lang="en-US" sz="600" dirty="0" smtClean="0"/>
               <a:t>Expired !</a:t>
             </a:r>
-            <a:endParaRPr lang="en-US" sz="600" dirty="0" smtClean="0"/>
           </a:p>
         </p:txBody>
       </p:sp>
@@ -7481,15 +7477,7 @@
           <a:p>
             <a:r>
               <a:rPr lang="en-US" dirty="0" smtClean="0"/>
-              <a:t>Show </a:t>
-            </a:r>
-            <a:r>
-              <a:rPr lang="en-US" dirty="0" smtClean="0"/>
-              <a:t>2 timed quests after </a:t>
-            </a:r>
-            <a:r>
-              <a:rPr lang="en-US" dirty="0" smtClean="0"/>
-              <a:t>tutorial</a:t>
+              <a:t>Show 2 timed quests after tutorial</a:t>
             </a:r>
           </a:p>
           <a:p>
@@ -7505,40 +7493,19 @@
               <a:rPr lang="en-US" dirty="0" smtClean="0"/>
               <a:t>1 Short term time quests (Provide by dev team)</a:t>
             </a:r>
-            <a:endParaRPr lang="en-US" dirty="0" smtClean="0"/>
           </a:p>
           <a:p>
             <a:pPr lvl="2"/>
             <a:r>
               <a:rPr lang="en-US" dirty="0" smtClean="0"/>
-              <a:t>Keep regenerating </a:t>
-            </a:r>
+              <a:t>Keep regenerating until player have 1 of such quests available in hand</a:t>
+            </a:r>
+          </a:p>
+          <a:p>
+            <a:pPr lvl="2"/>
             <a:r>
               <a:rPr lang="en-US" dirty="0" smtClean="0"/>
-              <a:t>until </a:t>
-            </a:r>
-            <a:r>
-              <a:rPr lang="en-US" dirty="0" smtClean="0"/>
-              <a:t>player have </a:t>
-            </a:r>
-            <a:r>
-              <a:rPr lang="en-US" dirty="0" smtClean="0"/>
-              <a:t>1 of such quests available in </a:t>
-            </a:r>
-            <a:r>
-              <a:rPr lang="en-US" dirty="0" smtClean="0"/>
-              <a:t>hand</a:t>
-            </a:r>
-          </a:p>
-          <a:p>
-            <a:pPr lvl="2"/>
-            <a:r>
-              <a:rPr lang="en-US" dirty="0" smtClean="0"/>
-              <a:t>Randomly picked </a:t>
-            </a:r>
-            <a:r>
-              <a:rPr lang="en-US" dirty="0" smtClean="0"/>
-              <a:t>from quest pool matching the case ID</a:t>
+              <a:t>Randomly picked from quest pool matching the case ID</a:t>
             </a:r>
           </a:p>
           <a:p>
@@ -7551,45 +7518,15 @@
             <a:pPr lvl="1"/>
             <a:r>
               <a:rPr lang="en-US" dirty="0" smtClean="0"/>
-              <a:t>Outdated </a:t>
-            </a:r>
+              <a:t>Outdated short term quest will disappeared after 8h since expired</a:t>
+            </a:r>
+          </a:p>
+          <a:p>
+            <a:pPr lvl="1"/>
             <a:r>
               <a:rPr lang="en-US" dirty="0" smtClean="0"/>
-              <a:t>short term </a:t>
-            </a:r>
-            <a:r>
-              <a:rPr lang="en-US" dirty="0" smtClean="0"/>
-              <a:t>quest will disappeared after </a:t>
-            </a:r>
-            <a:r>
-              <a:rPr lang="en-US" dirty="0" smtClean="0"/>
-              <a:t>8h </a:t>
-            </a:r>
-            <a:r>
-              <a:rPr lang="en-US" dirty="0" smtClean="0"/>
-              <a:t>since </a:t>
-            </a:r>
-            <a:r>
-              <a:rPr lang="en-US" dirty="0" smtClean="0"/>
-              <a:t>expired</a:t>
-            </a:r>
-            <a:endParaRPr lang="en-US" dirty="0" smtClean="0"/>
-          </a:p>
-          <a:p>
-            <a:pPr lvl="1"/>
-            <a:r>
-              <a:rPr lang="en-US" dirty="0" smtClean="0"/>
-              <a:t>Outdated </a:t>
-            </a:r>
-            <a:r>
-              <a:rPr lang="en-US" dirty="0" smtClean="0"/>
-              <a:t>weekly </a:t>
-            </a:r>
-            <a:r>
-              <a:rPr lang="en-US" dirty="0" smtClean="0"/>
-              <a:t>quest will disappeared after 24h since expired</a:t>
-            </a:r>
-            <a:endParaRPr lang="en-US" dirty="0" smtClean="0"/>
+              <a:t>Outdated weekly quest will disappeared after 24h since expired</a:t>
+            </a:r>
           </a:p>
           <a:p>
             <a:endParaRPr lang="en-US" dirty="0" smtClean="0"/>
@@ -7788,11 +7725,7 @@
           <a:p>
             <a:r>
               <a:rPr lang="en-US" dirty="0" smtClean="0"/>
-              <a:t>Empathy </a:t>
-            </a:r>
-            <a:r>
-              <a:rPr lang="en-US" dirty="0" smtClean="0"/>
-              <a:t>quest</a:t>
+              <a:t>Empathy quest</a:t>
             </a:r>
           </a:p>
           <a:p>
@@ -7801,7 +7734,6 @@
               <a:rPr lang="en-US" dirty="0" smtClean="0"/>
               <a:t>All have rep tag</a:t>
             </a:r>
-            <a:endParaRPr lang="en-US" dirty="0" smtClean="0"/>
           </a:p>
           <a:p>
             <a:r>
@@ -8257,6 +8189,1741 @@
           <a:p>
             <a:r>
               <a:rPr lang="en-US" dirty="0" smtClean="0"/>
+              <a:t>Mockups</a:t>
+            </a:r>
+            <a:endParaRPr lang="en-US" dirty="0"/>
+          </a:p>
+        </p:txBody>
+      </p:sp>
+      <p:grpSp>
+        <p:nvGrpSpPr>
+          <p:cNvPr id="53" name="Group 52"/>
+          <p:cNvGrpSpPr/>
+          <p:nvPr/>
+        </p:nvGrpSpPr>
+        <p:grpSpPr>
+          <a:xfrm>
+            <a:off x="1320959" y="2017405"/>
+            <a:ext cx="7125812" cy="4783446"/>
+            <a:chOff x="2018189" y="2152196"/>
+            <a:chExt cx="6668611" cy="4330983"/>
+          </a:xfrm>
+        </p:grpSpPr>
+        <p:grpSp>
+          <p:nvGrpSpPr>
+            <p:cNvPr id="7" name="Group 6"/>
+            <p:cNvGrpSpPr/>
+            <p:nvPr/>
+          </p:nvGrpSpPr>
+          <p:grpSpPr>
+            <a:xfrm>
+              <a:off x="4005954" y="3364028"/>
+              <a:ext cx="813842" cy="842921"/>
+              <a:chOff x="834670" y="2209800"/>
+              <a:chExt cx="1177010" cy="1219066"/>
+            </a:xfrm>
+          </p:grpSpPr>
+          <p:sp>
+            <p:nvSpPr>
+              <p:cNvPr id="4" name="Rectangle 3"/>
+              <p:cNvSpPr/>
+              <p:nvPr/>
+            </p:nvSpPr>
+            <p:spPr>
+              <a:xfrm>
+                <a:off x="851366" y="2209800"/>
+                <a:ext cx="1143618" cy="1143622"/>
+              </a:xfrm>
+              <a:prstGeom prst="rect">
+                <a:avLst/>
+              </a:prstGeom>
+            </p:spPr>
+            <p:style>
+              <a:lnRef idx="2">
+                <a:schemeClr val="accent4">
+                  <a:shade val="50000"/>
+                </a:schemeClr>
+              </a:lnRef>
+              <a:fillRef idx="1">
+                <a:schemeClr val="accent4"/>
+              </a:fillRef>
+              <a:effectRef idx="0">
+                <a:schemeClr val="accent4"/>
+              </a:effectRef>
+              <a:fontRef idx="minor">
+                <a:schemeClr val="lt1"/>
+              </a:fontRef>
+            </p:style>
+            <p:txBody>
+              <a:bodyPr rtlCol="0" anchor="ctr"/>
+              <a:lstStyle/>
+              <a:p>
+                <a:pPr algn="ctr"/>
+                <a:endParaRPr lang="en-US" sz="1050"/>
+              </a:p>
+            </p:txBody>
+          </p:sp>
+          <p:sp>
+            <p:nvSpPr>
+              <p:cNvPr id="6" name="Rounded Rectangle 5"/>
+              <p:cNvSpPr/>
+              <p:nvPr/>
+            </p:nvSpPr>
+            <p:spPr>
+              <a:xfrm>
+                <a:off x="834670" y="3180536"/>
+                <a:ext cx="1177010" cy="248330"/>
+              </a:xfrm>
+              <a:prstGeom prst="roundRect">
+                <a:avLst>
+                  <a:gd name="adj" fmla="val 19913"/>
+                </a:avLst>
+              </a:prstGeom>
+            </p:spPr>
+            <p:style>
+              <a:lnRef idx="2">
+                <a:schemeClr val="accent1">
+                  <a:shade val="50000"/>
+                </a:schemeClr>
+              </a:lnRef>
+              <a:fillRef idx="1">
+                <a:schemeClr val="accent1"/>
+              </a:fillRef>
+              <a:effectRef idx="0">
+                <a:schemeClr val="accent1"/>
+              </a:effectRef>
+              <a:fontRef idx="minor">
+                <a:schemeClr val="lt1"/>
+              </a:fontRef>
+            </p:style>
+            <p:txBody>
+              <a:bodyPr rtlCol="0" anchor="ctr"/>
+              <a:lstStyle/>
+              <a:p>
+                <a:pPr algn="ctr"/>
+                <a:r>
+                  <a:rPr lang="en-US" sz="900" dirty="0" smtClean="0"/>
+                  <a:t>2d 25h left</a:t>
+                </a:r>
+              </a:p>
+            </p:txBody>
+          </p:sp>
+        </p:grpSp>
+        <p:grpSp>
+          <p:nvGrpSpPr>
+            <p:cNvPr id="8" name="Group 7"/>
+            <p:cNvGrpSpPr/>
+            <p:nvPr/>
+          </p:nvGrpSpPr>
+          <p:grpSpPr>
+            <a:xfrm>
+              <a:off x="5088700" y="3364028"/>
+              <a:ext cx="813842" cy="842921"/>
+              <a:chOff x="834670" y="2209800"/>
+              <a:chExt cx="1177010" cy="1219066"/>
+            </a:xfrm>
+          </p:grpSpPr>
+          <p:sp>
+            <p:nvSpPr>
+              <p:cNvPr id="9" name="Rectangle 8"/>
+              <p:cNvSpPr/>
+              <p:nvPr/>
+            </p:nvSpPr>
+            <p:spPr>
+              <a:xfrm>
+                <a:off x="851366" y="2209800"/>
+                <a:ext cx="1143618" cy="1143622"/>
+              </a:xfrm>
+              <a:prstGeom prst="rect">
+                <a:avLst/>
+              </a:prstGeom>
+            </p:spPr>
+            <p:style>
+              <a:lnRef idx="2">
+                <a:schemeClr val="accent4">
+                  <a:shade val="50000"/>
+                </a:schemeClr>
+              </a:lnRef>
+              <a:fillRef idx="1">
+                <a:schemeClr val="accent4"/>
+              </a:fillRef>
+              <a:effectRef idx="0">
+                <a:schemeClr val="accent4"/>
+              </a:effectRef>
+              <a:fontRef idx="minor">
+                <a:schemeClr val="lt1"/>
+              </a:fontRef>
+            </p:style>
+            <p:txBody>
+              <a:bodyPr rtlCol="0" anchor="ctr"/>
+              <a:lstStyle/>
+              <a:p>
+                <a:pPr algn="ctr"/>
+                <a:endParaRPr lang="en-US" sz="1050"/>
+              </a:p>
+            </p:txBody>
+          </p:sp>
+          <p:sp>
+            <p:nvSpPr>
+              <p:cNvPr id="10" name="Rounded Rectangle 9"/>
+              <p:cNvSpPr/>
+              <p:nvPr/>
+            </p:nvSpPr>
+            <p:spPr>
+              <a:xfrm>
+                <a:off x="834670" y="3180536"/>
+                <a:ext cx="1177010" cy="248330"/>
+              </a:xfrm>
+              <a:prstGeom prst="roundRect">
+                <a:avLst>
+                  <a:gd name="adj" fmla="val 19913"/>
+                </a:avLst>
+              </a:prstGeom>
+            </p:spPr>
+            <p:style>
+              <a:lnRef idx="2">
+                <a:schemeClr val="accent1">
+                  <a:shade val="50000"/>
+                </a:schemeClr>
+              </a:lnRef>
+              <a:fillRef idx="1">
+                <a:schemeClr val="accent1"/>
+              </a:fillRef>
+              <a:effectRef idx="0">
+                <a:schemeClr val="accent1"/>
+              </a:effectRef>
+              <a:fontRef idx="minor">
+                <a:schemeClr val="lt1"/>
+              </a:fontRef>
+            </p:style>
+            <p:txBody>
+              <a:bodyPr rtlCol="0" anchor="ctr"/>
+              <a:lstStyle/>
+              <a:p>
+                <a:pPr algn="ctr"/>
+                <a:r>
+                  <a:rPr lang="en-US" sz="900" dirty="0" smtClean="0"/>
+                  <a:t>2h 25m </a:t>
+                </a:r>
+                <a:r>
+                  <a:rPr lang="en-US" sz="900" dirty="0" smtClean="0"/>
+                  <a:t>left</a:t>
+                </a:r>
+              </a:p>
+            </p:txBody>
+          </p:sp>
+        </p:grpSp>
+        <p:grpSp>
+          <p:nvGrpSpPr>
+            <p:cNvPr id="11" name="Group 10"/>
+            <p:cNvGrpSpPr/>
+            <p:nvPr/>
+          </p:nvGrpSpPr>
+          <p:grpSpPr>
+            <a:xfrm>
+              <a:off x="6179349" y="3364028"/>
+              <a:ext cx="813842" cy="842921"/>
+              <a:chOff x="834670" y="2209800"/>
+              <a:chExt cx="1177010" cy="1219066"/>
+            </a:xfrm>
+          </p:grpSpPr>
+          <p:sp>
+            <p:nvSpPr>
+              <p:cNvPr id="12" name="Rectangle 11"/>
+              <p:cNvSpPr/>
+              <p:nvPr/>
+            </p:nvSpPr>
+            <p:spPr>
+              <a:xfrm>
+                <a:off x="851366" y="2209800"/>
+                <a:ext cx="1143618" cy="1143622"/>
+              </a:xfrm>
+              <a:prstGeom prst="rect">
+                <a:avLst/>
+              </a:prstGeom>
+            </p:spPr>
+            <p:style>
+              <a:lnRef idx="2">
+                <a:schemeClr val="accent4">
+                  <a:shade val="50000"/>
+                </a:schemeClr>
+              </a:lnRef>
+              <a:fillRef idx="1">
+                <a:schemeClr val="accent4"/>
+              </a:fillRef>
+              <a:effectRef idx="0">
+                <a:schemeClr val="accent4"/>
+              </a:effectRef>
+              <a:fontRef idx="minor">
+                <a:schemeClr val="lt1"/>
+              </a:fontRef>
+            </p:style>
+            <p:txBody>
+              <a:bodyPr rtlCol="0" anchor="ctr"/>
+              <a:lstStyle/>
+              <a:p>
+                <a:pPr algn="ctr"/>
+                <a:endParaRPr lang="en-US" sz="1050"/>
+              </a:p>
+            </p:txBody>
+          </p:sp>
+          <p:sp>
+            <p:nvSpPr>
+              <p:cNvPr id="13" name="Rounded Rectangle 12"/>
+              <p:cNvSpPr/>
+              <p:nvPr/>
+            </p:nvSpPr>
+            <p:spPr>
+              <a:xfrm>
+                <a:off x="834670" y="3180536"/>
+                <a:ext cx="1177010" cy="248330"/>
+              </a:xfrm>
+              <a:prstGeom prst="roundRect">
+                <a:avLst>
+                  <a:gd name="adj" fmla="val 19913"/>
+                </a:avLst>
+              </a:prstGeom>
+            </p:spPr>
+            <p:style>
+              <a:lnRef idx="2">
+                <a:schemeClr val="accent1">
+                  <a:shade val="50000"/>
+                </a:schemeClr>
+              </a:lnRef>
+              <a:fillRef idx="1">
+                <a:schemeClr val="accent1"/>
+              </a:fillRef>
+              <a:effectRef idx="0">
+                <a:schemeClr val="accent1"/>
+              </a:effectRef>
+              <a:fontRef idx="minor">
+                <a:schemeClr val="lt1"/>
+              </a:fontRef>
+            </p:style>
+            <p:txBody>
+              <a:bodyPr rtlCol="0" anchor="ctr"/>
+              <a:lstStyle/>
+              <a:p>
+                <a:pPr algn="ctr"/>
+                <a:r>
+                  <a:rPr lang="en-US" sz="900" dirty="0" smtClean="0"/>
+                  <a:t>2m 25s </a:t>
+                </a:r>
+                <a:r>
+                  <a:rPr lang="en-US" sz="900" dirty="0" smtClean="0"/>
+                  <a:t>left</a:t>
+                </a:r>
+              </a:p>
+            </p:txBody>
+          </p:sp>
+        </p:grpSp>
+        <p:grpSp>
+          <p:nvGrpSpPr>
+            <p:cNvPr id="14" name="Group 13"/>
+            <p:cNvGrpSpPr/>
+            <p:nvPr/>
+          </p:nvGrpSpPr>
+          <p:grpSpPr>
+            <a:xfrm>
+              <a:off x="4005954" y="4433132"/>
+              <a:ext cx="813842" cy="842921"/>
+              <a:chOff x="834670" y="2209800"/>
+              <a:chExt cx="1177010" cy="1219066"/>
+            </a:xfrm>
+          </p:grpSpPr>
+          <p:sp>
+            <p:nvSpPr>
+              <p:cNvPr id="15" name="Rectangle 14"/>
+              <p:cNvSpPr/>
+              <p:nvPr/>
+            </p:nvSpPr>
+            <p:spPr>
+              <a:xfrm>
+                <a:off x="851366" y="2209800"/>
+                <a:ext cx="1143618" cy="1143622"/>
+              </a:xfrm>
+              <a:prstGeom prst="rect">
+                <a:avLst/>
+              </a:prstGeom>
+            </p:spPr>
+            <p:style>
+              <a:lnRef idx="2">
+                <a:schemeClr val="accent4">
+                  <a:shade val="50000"/>
+                </a:schemeClr>
+              </a:lnRef>
+              <a:fillRef idx="1">
+                <a:schemeClr val="accent4"/>
+              </a:fillRef>
+              <a:effectRef idx="0">
+                <a:schemeClr val="accent4"/>
+              </a:effectRef>
+              <a:fontRef idx="minor">
+                <a:schemeClr val="lt1"/>
+              </a:fontRef>
+            </p:style>
+            <p:txBody>
+              <a:bodyPr rtlCol="0" anchor="ctr"/>
+              <a:lstStyle/>
+              <a:p>
+                <a:pPr algn="ctr"/>
+                <a:endParaRPr lang="en-US" sz="1050"/>
+              </a:p>
+            </p:txBody>
+          </p:sp>
+          <p:sp>
+            <p:nvSpPr>
+              <p:cNvPr id="16" name="Rounded Rectangle 15"/>
+              <p:cNvSpPr/>
+              <p:nvPr/>
+            </p:nvSpPr>
+            <p:spPr>
+              <a:xfrm>
+                <a:off x="834670" y="3180536"/>
+                <a:ext cx="1177010" cy="248330"/>
+              </a:xfrm>
+              <a:prstGeom prst="roundRect">
+                <a:avLst>
+                  <a:gd name="adj" fmla="val 19913"/>
+                </a:avLst>
+              </a:prstGeom>
+            </p:spPr>
+            <p:style>
+              <a:lnRef idx="2">
+                <a:schemeClr val="accent1">
+                  <a:shade val="50000"/>
+                </a:schemeClr>
+              </a:lnRef>
+              <a:fillRef idx="1">
+                <a:schemeClr val="accent1"/>
+              </a:fillRef>
+              <a:effectRef idx="0">
+                <a:schemeClr val="accent1"/>
+              </a:effectRef>
+              <a:fontRef idx="minor">
+                <a:schemeClr val="lt1"/>
+              </a:fontRef>
+            </p:style>
+            <p:txBody>
+              <a:bodyPr rtlCol="0" anchor="ctr"/>
+              <a:lstStyle/>
+              <a:p>
+                <a:pPr algn="ctr"/>
+                <a:r>
+                  <a:rPr lang="en-US" sz="900" dirty="0" smtClean="0"/>
+                  <a:t>2d </a:t>
+                </a:r>
+                <a:r>
+                  <a:rPr lang="en-US" sz="900" dirty="0" smtClean="0"/>
+                  <a:t>25h</a:t>
+                </a:r>
+                <a:endParaRPr lang="en-US" sz="900" dirty="0" smtClean="0"/>
+              </a:p>
+            </p:txBody>
+          </p:sp>
+        </p:grpSp>
+        <p:grpSp>
+          <p:nvGrpSpPr>
+            <p:cNvPr id="17" name="Group 16"/>
+            <p:cNvGrpSpPr/>
+            <p:nvPr/>
+          </p:nvGrpSpPr>
+          <p:grpSpPr>
+            <a:xfrm>
+              <a:off x="5088700" y="4433132"/>
+              <a:ext cx="813842" cy="842921"/>
+              <a:chOff x="834670" y="2209800"/>
+              <a:chExt cx="1177010" cy="1219066"/>
+            </a:xfrm>
+          </p:grpSpPr>
+          <p:sp>
+            <p:nvSpPr>
+              <p:cNvPr id="18" name="Rectangle 17"/>
+              <p:cNvSpPr/>
+              <p:nvPr/>
+            </p:nvSpPr>
+            <p:spPr>
+              <a:xfrm>
+                <a:off x="851366" y="2209800"/>
+                <a:ext cx="1143618" cy="1143622"/>
+              </a:xfrm>
+              <a:prstGeom prst="rect">
+                <a:avLst/>
+              </a:prstGeom>
+            </p:spPr>
+            <p:style>
+              <a:lnRef idx="2">
+                <a:schemeClr val="accent4">
+                  <a:shade val="50000"/>
+                </a:schemeClr>
+              </a:lnRef>
+              <a:fillRef idx="1">
+                <a:schemeClr val="accent4"/>
+              </a:fillRef>
+              <a:effectRef idx="0">
+                <a:schemeClr val="accent4"/>
+              </a:effectRef>
+              <a:fontRef idx="minor">
+                <a:schemeClr val="lt1"/>
+              </a:fontRef>
+            </p:style>
+            <p:txBody>
+              <a:bodyPr rtlCol="0" anchor="ctr"/>
+              <a:lstStyle/>
+              <a:p>
+                <a:pPr algn="ctr"/>
+                <a:endParaRPr lang="en-US" sz="1050"/>
+              </a:p>
+            </p:txBody>
+          </p:sp>
+          <p:sp>
+            <p:nvSpPr>
+              <p:cNvPr id="19" name="Rounded Rectangle 18"/>
+              <p:cNvSpPr/>
+              <p:nvPr/>
+            </p:nvSpPr>
+            <p:spPr>
+              <a:xfrm>
+                <a:off x="834670" y="3180536"/>
+                <a:ext cx="1177010" cy="248330"/>
+              </a:xfrm>
+              <a:prstGeom prst="roundRect">
+                <a:avLst>
+                  <a:gd name="adj" fmla="val 19913"/>
+                </a:avLst>
+              </a:prstGeom>
+            </p:spPr>
+            <p:style>
+              <a:lnRef idx="2">
+                <a:schemeClr val="accent1">
+                  <a:shade val="50000"/>
+                </a:schemeClr>
+              </a:lnRef>
+              <a:fillRef idx="1">
+                <a:schemeClr val="accent1"/>
+              </a:fillRef>
+              <a:effectRef idx="0">
+                <a:schemeClr val="accent1"/>
+              </a:effectRef>
+              <a:fontRef idx="minor">
+                <a:schemeClr val="lt1"/>
+              </a:fontRef>
+            </p:style>
+            <p:txBody>
+              <a:bodyPr rtlCol="0" anchor="ctr"/>
+              <a:lstStyle/>
+              <a:p>
+                <a:pPr algn="ctr"/>
+                <a:r>
+                  <a:rPr lang="en-US" sz="900" dirty="0" smtClean="0"/>
+                  <a:t>2h 25m</a:t>
+                </a:r>
+                <a:endParaRPr lang="en-US" sz="900" dirty="0" smtClean="0"/>
+              </a:p>
+            </p:txBody>
+          </p:sp>
+        </p:grpSp>
+        <p:grpSp>
+          <p:nvGrpSpPr>
+            <p:cNvPr id="20" name="Group 19"/>
+            <p:cNvGrpSpPr/>
+            <p:nvPr/>
+          </p:nvGrpSpPr>
+          <p:grpSpPr>
+            <a:xfrm>
+              <a:off x="6179349" y="4433132"/>
+              <a:ext cx="813842" cy="842921"/>
+              <a:chOff x="834670" y="2209800"/>
+              <a:chExt cx="1177010" cy="1219066"/>
+            </a:xfrm>
+          </p:grpSpPr>
+          <p:sp>
+            <p:nvSpPr>
+              <p:cNvPr id="21" name="Rectangle 20"/>
+              <p:cNvSpPr/>
+              <p:nvPr/>
+            </p:nvSpPr>
+            <p:spPr>
+              <a:xfrm>
+                <a:off x="851366" y="2209800"/>
+                <a:ext cx="1143618" cy="1143622"/>
+              </a:xfrm>
+              <a:prstGeom prst="rect">
+                <a:avLst/>
+              </a:prstGeom>
+            </p:spPr>
+            <p:style>
+              <a:lnRef idx="2">
+                <a:schemeClr val="accent4">
+                  <a:shade val="50000"/>
+                </a:schemeClr>
+              </a:lnRef>
+              <a:fillRef idx="1">
+                <a:schemeClr val="accent4"/>
+              </a:fillRef>
+              <a:effectRef idx="0">
+                <a:schemeClr val="accent4"/>
+              </a:effectRef>
+              <a:fontRef idx="minor">
+                <a:schemeClr val="lt1"/>
+              </a:fontRef>
+            </p:style>
+            <p:txBody>
+              <a:bodyPr rtlCol="0" anchor="ctr"/>
+              <a:lstStyle/>
+              <a:p>
+                <a:pPr algn="ctr"/>
+                <a:endParaRPr lang="en-US" sz="1050"/>
+              </a:p>
+            </p:txBody>
+          </p:sp>
+          <p:sp>
+            <p:nvSpPr>
+              <p:cNvPr id="22" name="Rounded Rectangle 21"/>
+              <p:cNvSpPr/>
+              <p:nvPr/>
+            </p:nvSpPr>
+            <p:spPr>
+              <a:xfrm>
+                <a:off x="834670" y="3180536"/>
+                <a:ext cx="1177010" cy="248330"/>
+              </a:xfrm>
+              <a:prstGeom prst="roundRect">
+                <a:avLst>
+                  <a:gd name="adj" fmla="val 19913"/>
+                </a:avLst>
+              </a:prstGeom>
+            </p:spPr>
+            <p:style>
+              <a:lnRef idx="2">
+                <a:schemeClr val="accent1">
+                  <a:shade val="50000"/>
+                </a:schemeClr>
+              </a:lnRef>
+              <a:fillRef idx="1">
+                <a:schemeClr val="accent1"/>
+              </a:fillRef>
+              <a:effectRef idx="0">
+                <a:schemeClr val="accent1"/>
+              </a:effectRef>
+              <a:fontRef idx="minor">
+                <a:schemeClr val="lt1"/>
+              </a:fontRef>
+            </p:style>
+            <p:txBody>
+              <a:bodyPr rtlCol="0" anchor="ctr"/>
+              <a:lstStyle/>
+              <a:p>
+                <a:pPr algn="ctr"/>
+                <a:r>
+                  <a:rPr lang="en-US" sz="900" dirty="0" smtClean="0"/>
+                  <a:t>2m 25s</a:t>
+                </a:r>
+                <a:endParaRPr lang="en-US" sz="900" dirty="0" smtClean="0"/>
+              </a:p>
+            </p:txBody>
+          </p:sp>
+        </p:grpSp>
+        <p:grpSp>
+          <p:nvGrpSpPr>
+            <p:cNvPr id="23" name="Group 22"/>
+            <p:cNvGrpSpPr/>
+            <p:nvPr/>
+          </p:nvGrpSpPr>
+          <p:grpSpPr>
+            <a:xfrm>
+              <a:off x="4531210" y="5492168"/>
+              <a:ext cx="813842" cy="842921"/>
+              <a:chOff x="834670" y="2209800"/>
+              <a:chExt cx="1177010" cy="1219066"/>
+            </a:xfrm>
+          </p:grpSpPr>
+          <p:sp>
+            <p:nvSpPr>
+              <p:cNvPr id="24" name="Rectangle 23"/>
+              <p:cNvSpPr/>
+              <p:nvPr/>
+            </p:nvSpPr>
+            <p:spPr>
+              <a:xfrm>
+                <a:off x="851366" y="2209800"/>
+                <a:ext cx="1143618" cy="1143622"/>
+              </a:xfrm>
+              <a:prstGeom prst="rect">
+                <a:avLst/>
+              </a:prstGeom>
+            </p:spPr>
+            <p:style>
+              <a:lnRef idx="2">
+                <a:schemeClr val="accent4">
+                  <a:shade val="50000"/>
+                </a:schemeClr>
+              </a:lnRef>
+              <a:fillRef idx="1">
+                <a:schemeClr val="accent4"/>
+              </a:fillRef>
+              <a:effectRef idx="0">
+                <a:schemeClr val="accent4"/>
+              </a:effectRef>
+              <a:fontRef idx="minor">
+                <a:schemeClr val="lt1"/>
+              </a:fontRef>
+            </p:style>
+            <p:txBody>
+              <a:bodyPr rtlCol="0" anchor="ctr"/>
+              <a:lstStyle/>
+              <a:p>
+                <a:pPr algn="ctr"/>
+                <a:endParaRPr lang="en-US" sz="1050"/>
+              </a:p>
+            </p:txBody>
+          </p:sp>
+          <p:sp>
+            <p:nvSpPr>
+              <p:cNvPr id="25" name="Rounded Rectangle 24"/>
+              <p:cNvSpPr/>
+              <p:nvPr/>
+            </p:nvSpPr>
+            <p:spPr>
+              <a:xfrm>
+                <a:off x="834670" y="3180536"/>
+                <a:ext cx="1177010" cy="248330"/>
+              </a:xfrm>
+              <a:prstGeom prst="roundRect">
+                <a:avLst>
+                  <a:gd name="adj" fmla="val 19913"/>
+                </a:avLst>
+              </a:prstGeom>
+            </p:spPr>
+            <p:style>
+              <a:lnRef idx="2">
+                <a:schemeClr val="accent1">
+                  <a:shade val="50000"/>
+                </a:schemeClr>
+              </a:lnRef>
+              <a:fillRef idx="1">
+                <a:schemeClr val="accent1"/>
+              </a:fillRef>
+              <a:effectRef idx="0">
+                <a:schemeClr val="accent1"/>
+              </a:effectRef>
+              <a:fontRef idx="minor">
+                <a:schemeClr val="lt1"/>
+              </a:fontRef>
+            </p:style>
+            <p:txBody>
+              <a:bodyPr rtlCol="0" anchor="ctr"/>
+              <a:lstStyle/>
+              <a:p>
+                <a:pPr algn="ctr"/>
+                <a:r>
+                  <a:rPr lang="en-US" sz="900" dirty="0" smtClean="0"/>
+                  <a:t>2d </a:t>
+                </a:r>
+                <a:r>
+                  <a:rPr lang="en-US" sz="900" dirty="0" smtClean="0"/>
+                  <a:t>25h 35m</a:t>
+                </a:r>
+                <a:endParaRPr lang="en-US" sz="900" dirty="0" smtClean="0"/>
+              </a:p>
+            </p:txBody>
+          </p:sp>
+        </p:grpSp>
+        <p:grpSp>
+          <p:nvGrpSpPr>
+            <p:cNvPr id="26" name="Group 25"/>
+            <p:cNvGrpSpPr/>
+            <p:nvPr/>
+          </p:nvGrpSpPr>
+          <p:grpSpPr>
+            <a:xfrm>
+              <a:off x="5613956" y="5492168"/>
+              <a:ext cx="813842" cy="842921"/>
+              <a:chOff x="834670" y="2209800"/>
+              <a:chExt cx="1177010" cy="1219066"/>
+            </a:xfrm>
+          </p:grpSpPr>
+          <p:sp>
+            <p:nvSpPr>
+              <p:cNvPr id="27" name="Rectangle 26"/>
+              <p:cNvSpPr/>
+              <p:nvPr/>
+            </p:nvSpPr>
+            <p:spPr>
+              <a:xfrm>
+                <a:off x="851366" y="2209800"/>
+                <a:ext cx="1143618" cy="1143622"/>
+              </a:xfrm>
+              <a:prstGeom prst="rect">
+                <a:avLst/>
+              </a:prstGeom>
+            </p:spPr>
+            <p:style>
+              <a:lnRef idx="2">
+                <a:schemeClr val="accent4">
+                  <a:shade val="50000"/>
+                </a:schemeClr>
+              </a:lnRef>
+              <a:fillRef idx="1">
+                <a:schemeClr val="accent4"/>
+              </a:fillRef>
+              <a:effectRef idx="0">
+                <a:schemeClr val="accent4"/>
+              </a:effectRef>
+              <a:fontRef idx="minor">
+                <a:schemeClr val="lt1"/>
+              </a:fontRef>
+            </p:style>
+            <p:txBody>
+              <a:bodyPr rtlCol="0" anchor="ctr"/>
+              <a:lstStyle/>
+              <a:p>
+                <a:pPr algn="ctr"/>
+                <a:endParaRPr lang="en-US" sz="1050"/>
+              </a:p>
+            </p:txBody>
+          </p:sp>
+          <p:sp>
+            <p:nvSpPr>
+              <p:cNvPr id="28" name="Rounded Rectangle 27"/>
+              <p:cNvSpPr/>
+              <p:nvPr/>
+            </p:nvSpPr>
+            <p:spPr>
+              <a:xfrm>
+                <a:off x="834670" y="3180536"/>
+                <a:ext cx="1177010" cy="248330"/>
+              </a:xfrm>
+              <a:prstGeom prst="roundRect">
+                <a:avLst>
+                  <a:gd name="adj" fmla="val 19913"/>
+                </a:avLst>
+              </a:prstGeom>
+            </p:spPr>
+            <p:style>
+              <a:lnRef idx="2">
+                <a:schemeClr val="accent1">
+                  <a:shade val="50000"/>
+                </a:schemeClr>
+              </a:lnRef>
+              <a:fillRef idx="1">
+                <a:schemeClr val="accent1"/>
+              </a:fillRef>
+              <a:effectRef idx="0">
+                <a:schemeClr val="accent1"/>
+              </a:effectRef>
+              <a:fontRef idx="minor">
+                <a:schemeClr val="lt1"/>
+              </a:fontRef>
+            </p:style>
+            <p:txBody>
+              <a:bodyPr rtlCol="0" anchor="ctr"/>
+              <a:lstStyle/>
+              <a:p>
+                <a:pPr algn="ctr"/>
+                <a:r>
+                  <a:rPr lang="en-US" sz="900" dirty="0" smtClean="0"/>
+                  <a:t>2h 25m 35s</a:t>
+                </a:r>
+                <a:endParaRPr lang="en-US" sz="900" dirty="0" smtClean="0"/>
+              </a:p>
+            </p:txBody>
+          </p:sp>
+        </p:grpSp>
+        <p:sp>
+          <p:nvSpPr>
+            <p:cNvPr id="32" name="Rectangle 31"/>
+            <p:cNvSpPr/>
+            <p:nvPr/>
+          </p:nvSpPr>
+          <p:spPr>
+            <a:xfrm>
+              <a:off x="3796421" y="3234942"/>
+              <a:ext cx="3422109" cy="1082746"/>
+            </a:xfrm>
+            <a:prstGeom prst="rect">
+              <a:avLst/>
+            </a:prstGeom>
+            <a:noFill/>
+          </p:spPr>
+          <p:style>
+            <a:lnRef idx="2">
+              <a:schemeClr val="accent1">
+                <a:shade val="50000"/>
+              </a:schemeClr>
+            </a:lnRef>
+            <a:fillRef idx="1">
+              <a:schemeClr val="accent1"/>
+            </a:fillRef>
+            <a:effectRef idx="0">
+              <a:schemeClr val="accent1"/>
+            </a:effectRef>
+            <a:fontRef idx="minor">
+              <a:schemeClr val="lt1"/>
+            </a:fontRef>
+          </p:style>
+          <p:txBody>
+            <a:bodyPr rtlCol="0" anchor="ctr"/>
+            <a:lstStyle/>
+            <a:p>
+              <a:pPr algn="ctr"/>
+              <a:endParaRPr lang="en-US"/>
+            </a:p>
+          </p:txBody>
+        </p:sp>
+        <p:sp>
+          <p:nvSpPr>
+            <p:cNvPr id="33" name="Rectangle 32"/>
+            <p:cNvSpPr/>
+            <p:nvPr/>
+          </p:nvSpPr>
+          <p:spPr>
+            <a:xfrm>
+              <a:off x="3796421" y="4317688"/>
+              <a:ext cx="3422109" cy="1082746"/>
+            </a:xfrm>
+            <a:prstGeom prst="rect">
+              <a:avLst/>
+            </a:prstGeom>
+            <a:noFill/>
+          </p:spPr>
+          <p:style>
+            <a:lnRef idx="2">
+              <a:schemeClr val="accent1">
+                <a:shade val="50000"/>
+              </a:schemeClr>
+            </a:lnRef>
+            <a:fillRef idx="1">
+              <a:schemeClr val="accent1"/>
+            </a:fillRef>
+            <a:effectRef idx="0">
+              <a:schemeClr val="accent1"/>
+            </a:effectRef>
+            <a:fontRef idx="minor">
+              <a:schemeClr val="lt1"/>
+            </a:fontRef>
+          </p:style>
+          <p:txBody>
+            <a:bodyPr rtlCol="0" anchor="ctr"/>
+            <a:lstStyle/>
+            <a:p>
+              <a:pPr algn="ctr"/>
+              <a:endParaRPr lang="en-US"/>
+            </a:p>
+          </p:txBody>
+        </p:sp>
+        <p:sp>
+          <p:nvSpPr>
+            <p:cNvPr id="34" name="Rectangle 33"/>
+            <p:cNvSpPr/>
+            <p:nvPr/>
+          </p:nvSpPr>
+          <p:spPr>
+            <a:xfrm>
+              <a:off x="3796421" y="5400433"/>
+              <a:ext cx="3422109" cy="1082746"/>
+            </a:xfrm>
+            <a:prstGeom prst="rect">
+              <a:avLst/>
+            </a:prstGeom>
+            <a:noFill/>
+          </p:spPr>
+          <p:style>
+            <a:lnRef idx="2">
+              <a:schemeClr val="accent1">
+                <a:shade val="50000"/>
+              </a:schemeClr>
+            </a:lnRef>
+            <a:fillRef idx="1">
+              <a:schemeClr val="accent1"/>
+            </a:fillRef>
+            <a:effectRef idx="0">
+              <a:schemeClr val="accent1"/>
+            </a:effectRef>
+            <a:fontRef idx="minor">
+              <a:schemeClr val="lt1"/>
+            </a:fontRef>
+          </p:style>
+          <p:txBody>
+            <a:bodyPr rtlCol="0" anchor="ctr"/>
+            <a:lstStyle/>
+            <a:p>
+              <a:pPr algn="ctr"/>
+              <a:endParaRPr lang="en-US"/>
+            </a:p>
+          </p:txBody>
+        </p:sp>
+        <p:sp>
+          <p:nvSpPr>
+            <p:cNvPr id="35" name="Rectangle 34"/>
+            <p:cNvSpPr/>
+            <p:nvPr/>
+          </p:nvSpPr>
+          <p:spPr>
+            <a:xfrm>
+              <a:off x="2018189" y="3234942"/>
+              <a:ext cx="1778232" cy="1082746"/>
+            </a:xfrm>
+            <a:prstGeom prst="rect">
+              <a:avLst/>
+            </a:prstGeom>
+            <a:noFill/>
+          </p:spPr>
+          <p:style>
+            <a:lnRef idx="2">
+              <a:schemeClr val="accent1">
+                <a:shade val="50000"/>
+              </a:schemeClr>
+            </a:lnRef>
+            <a:fillRef idx="1">
+              <a:schemeClr val="accent1"/>
+            </a:fillRef>
+            <a:effectRef idx="0">
+              <a:schemeClr val="accent1"/>
+            </a:effectRef>
+            <a:fontRef idx="minor">
+              <a:schemeClr val="lt1"/>
+            </a:fontRef>
+          </p:style>
+          <p:txBody>
+            <a:bodyPr rtlCol="0" anchor="ctr"/>
+            <a:lstStyle/>
+            <a:p>
+              <a:pPr algn="ctr"/>
+              <a:r>
+                <a:rPr lang="en-US" dirty="0" smtClean="0">
+                  <a:solidFill>
+                    <a:schemeClr val="tx1"/>
+                  </a:solidFill>
+                </a:rPr>
+                <a:t>Plan B: 2 time units + “left”</a:t>
+              </a:r>
+              <a:endParaRPr lang="en-US" dirty="0">
+                <a:solidFill>
+                  <a:schemeClr val="tx1"/>
+                </a:solidFill>
+              </a:endParaRPr>
+            </a:p>
+          </p:txBody>
+        </p:sp>
+        <p:sp>
+          <p:nvSpPr>
+            <p:cNvPr id="36" name="Rectangle 35"/>
+            <p:cNvSpPr/>
+            <p:nvPr/>
+          </p:nvSpPr>
+          <p:spPr>
+            <a:xfrm>
+              <a:off x="2018189" y="4317688"/>
+              <a:ext cx="1778232" cy="1082746"/>
+            </a:xfrm>
+            <a:prstGeom prst="rect">
+              <a:avLst/>
+            </a:prstGeom>
+            <a:noFill/>
+          </p:spPr>
+          <p:style>
+            <a:lnRef idx="2">
+              <a:schemeClr val="accent1">
+                <a:shade val="50000"/>
+              </a:schemeClr>
+            </a:lnRef>
+            <a:fillRef idx="1">
+              <a:schemeClr val="accent1"/>
+            </a:fillRef>
+            <a:effectRef idx="0">
+              <a:schemeClr val="accent1"/>
+            </a:effectRef>
+            <a:fontRef idx="minor">
+              <a:schemeClr val="lt1"/>
+            </a:fontRef>
+          </p:style>
+          <p:txBody>
+            <a:bodyPr rtlCol="0" anchor="ctr"/>
+            <a:lstStyle/>
+            <a:p>
+              <a:pPr algn="ctr"/>
+              <a:r>
+                <a:rPr lang="en-US" dirty="0" smtClean="0">
+                  <a:solidFill>
+                    <a:schemeClr val="tx1"/>
+                  </a:solidFill>
+                </a:rPr>
+                <a:t>Plan </a:t>
+              </a:r>
+              <a:r>
+                <a:rPr lang="en-US" dirty="0" smtClean="0">
+                  <a:solidFill>
+                    <a:schemeClr val="tx1"/>
+                  </a:solidFill>
+                </a:rPr>
+                <a:t>C: </a:t>
+              </a:r>
+              <a:r>
+                <a:rPr lang="en-US" dirty="0" smtClean="0">
+                  <a:solidFill>
+                    <a:schemeClr val="tx1"/>
+                  </a:solidFill>
+                </a:rPr>
+                <a:t>2 time </a:t>
+              </a:r>
+              <a:r>
+                <a:rPr lang="en-US" dirty="0" smtClean="0">
+                  <a:solidFill>
+                    <a:schemeClr val="tx1"/>
+                  </a:solidFill>
+                </a:rPr>
+                <a:t>units</a:t>
+              </a:r>
+              <a:endParaRPr lang="en-US" dirty="0">
+                <a:solidFill>
+                  <a:schemeClr val="tx1"/>
+                </a:solidFill>
+              </a:endParaRPr>
+            </a:p>
+          </p:txBody>
+        </p:sp>
+        <p:sp>
+          <p:nvSpPr>
+            <p:cNvPr id="37" name="Rectangle 36"/>
+            <p:cNvSpPr/>
+            <p:nvPr/>
+          </p:nvSpPr>
+          <p:spPr>
+            <a:xfrm>
+              <a:off x="2018189" y="5400433"/>
+              <a:ext cx="1778232" cy="1082746"/>
+            </a:xfrm>
+            <a:prstGeom prst="rect">
+              <a:avLst/>
+            </a:prstGeom>
+            <a:noFill/>
+          </p:spPr>
+          <p:style>
+            <a:lnRef idx="2">
+              <a:schemeClr val="accent1">
+                <a:shade val="50000"/>
+              </a:schemeClr>
+            </a:lnRef>
+            <a:fillRef idx="1">
+              <a:schemeClr val="accent1"/>
+            </a:fillRef>
+            <a:effectRef idx="0">
+              <a:schemeClr val="accent1"/>
+            </a:effectRef>
+            <a:fontRef idx="minor">
+              <a:schemeClr val="lt1"/>
+            </a:fontRef>
+          </p:style>
+          <p:txBody>
+            <a:bodyPr rtlCol="0" anchor="ctr"/>
+            <a:lstStyle/>
+            <a:p>
+              <a:pPr algn="ctr"/>
+              <a:r>
+                <a:rPr lang="en-US" dirty="0" smtClean="0">
+                  <a:solidFill>
+                    <a:schemeClr val="tx1"/>
+                  </a:solidFill>
+                </a:rPr>
+                <a:t>Plan </a:t>
+              </a:r>
+              <a:r>
+                <a:rPr lang="en-US" dirty="0" smtClean="0">
+                  <a:solidFill>
+                    <a:schemeClr val="tx1"/>
+                  </a:solidFill>
+                </a:rPr>
+                <a:t>D: 3 </a:t>
+              </a:r>
+              <a:r>
+                <a:rPr lang="en-US" dirty="0" smtClean="0">
+                  <a:solidFill>
+                    <a:schemeClr val="tx1"/>
+                  </a:solidFill>
+                </a:rPr>
+                <a:t>time </a:t>
+              </a:r>
+              <a:r>
+                <a:rPr lang="en-US" dirty="0" smtClean="0">
+                  <a:solidFill>
+                    <a:schemeClr val="tx1"/>
+                  </a:solidFill>
+                </a:rPr>
+                <a:t>units</a:t>
+              </a:r>
+              <a:endParaRPr lang="en-US" dirty="0">
+                <a:solidFill>
+                  <a:schemeClr val="tx1"/>
+                </a:solidFill>
+              </a:endParaRPr>
+            </a:p>
+          </p:txBody>
+        </p:sp>
+        <p:grpSp>
+          <p:nvGrpSpPr>
+            <p:cNvPr id="39" name="Group 38"/>
+            <p:cNvGrpSpPr/>
+            <p:nvPr/>
+          </p:nvGrpSpPr>
+          <p:grpSpPr>
+            <a:xfrm>
+              <a:off x="4005954" y="2281282"/>
+              <a:ext cx="813842" cy="842921"/>
+              <a:chOff x="834670" y="2209800"/>
+              <a:chExt cx="1177010" cy="1219066"/>
+            </a:xfrm>
+          </p:grpSpPr>
+          <p:sp>
+            <p:nvSpPr>
+              <p:cNvPr id="40" name="Rectangle 39"/>
+              <p:cNvSpPr/>
+              <p:nvPr/>
+            </p:nvSpPr>
+            <p:spPr>
+              <a:xfrm>
+                <a:off x="851366" y="2209800"/>
+                <a:ext cx="1143618" cy="1143622"/>
+              </a:xfrm>
+              <a:prstGeom prst="rect">
+                <a:avLst/>
+              </a:prstGeom>
+            </p:spPr>
+            <p:style>
+              <a:lnRef idx="2">
+                <a:schemeClr val="accent4">
+                  <a:shade val="50000"/>
+                </a:schemeClr>
+              </a:lnRef>
+              <a:fillRef idx="1">
+                <a:schemeClr val="accent4"/>
+              </a:fillRef>
+              <a:effectRef idx="0">
+                <a:schemeClr val="accent4"/>
+              </a:effectRef>
+              <a:fontRef idx="minor">
+                <a:schemeClr val="lt1"/>
+              </a:fontRef>
+            </p:style>
+            <p:txBody>
+              <a:bodyPr rtlCol="0" anchor="ctr"/>
+              <a:lstStyle/>
+              <a:p>
+                <a:pPr algn="ctr"/>
+                <a:endParaRPr lang="en-US" sz="1050"/>
+              </a:p>
+            </p:txBody>
+          </p:sp>
+          <p:sp>
+            <p:nvSpPr>
+              <p:cNvPr id="41" name="Rounded Rectangle 40"/>
+              <p:cNvSpPr/>
+              <p:nvPr/>
+            </p:nvSpPr>
+            <p:spPr>
+              <a:xfrm>
+                <a:off x="834670" y="3180536"/>
+                <a:ext cx="1177010" cy="248330"/>
+              </a:xfrm>
+              <a:prstGeom prst="roundRect">
+                <a:avLst>
+                  <a:gd name="adj" fmla="val 19913"/>
+                </a:avLst>
+              </a:prstGeom>
+            </p:spPr>
+            <p:style>
+              <a:lnRef idx="2">
+                <a:schemeClr val="accent1">
+                  <a:shade val="50000"/>
+                </a:schemeClr>
+              </a:lnRef>
+              <a:fillRef idx="1">
+                <a:schemeClr val="accent1"/>
+              </a:fillRef>
+              <a:effectRef idx="0">
+                <a:schemeClr val="accent1"/>
+              </a:effectRef>
+              <a:fontRef idx="minor">
+                <a:schemeClr val="lt1"/>
+              </a:fontRef>
+            </p:style>
+            <p:txBody>
+              <a:bodyPr rtlCol="0" anchor="ctr"/>
+              <a:lstStyle/>
+              <a:p>
+                <a:pPr algn="ctr"/>
+                <a:r>
+                  <a:rPr lang="en-US" sz="900" dirty="0" smtClean="0"/>
+                  <a:t>2 day left</a:t>
+                </a:r>
+                <a:endParaRPr lang="en-US" sz="900" dirty="0" smtClean="0"/>
+              </a:p>
+            </p:txBody>
+          </p:sp>
+        </p:grpSp>
+        <p:grpSp>
+          <p:nvGrpSpPr>
+            <p:cNvPr id="42" name="Group 41"/>
+            <p:cNvGrpSpPr/>
+            <p:nvPr/>
+          </p:nvGrpSpPr>
+          <p:grpSpPr>
+            <a:xfrm>
+              <a:off x="5088700" y="2281282"/>
+              <a:ext cx="813842" cy="842921"/>
+              <a:chOff x="834670" y="2209800"/>
+              <a:chExt cx="1177010" cy="1219066"/>
+            </a:xfrm>
+          </p:grpSpPr>
+          <p:sp>
+            <p:nvSpPr>
+              <p:cNvPr id="43" name="Rectangle 42"/>
+              <p:cNvSpPr/>
+              <p:nvPr/>
+            </p:nvSpPr>
+            <p:spPr>
+              <a:xfrm>
+                <a:off x="851366" y="2209800"/>
+                <a:ext cx="1143618" cy="1143622"/>
+              </a:xfrm>
+              <a:prstGeom prst="rect">
+                <a:avLst/>
+              </a:prstGeom>
+            </p:spPr>
+            <p:style>
+              <a:lnRef idx="2">
+                <a:schemeClr val="accent4">
+                  <a:shade val="50000"/>
+                </a:schemeClr>
+              </a:lnRef>
+              <a:fillRef idx="1">
+                <a:schemeClr val="accent4"/>
+              </a:fillRef>
+              <a:effectRef idx="0">
+                <a:schemeClr val="accent4"/>
+              </a:effectRef>
+              <a:fontRef idx="minor">
+                <a:schemeClr val="lt1"/>
+              </a:fontRef>
+            </p:style>
+            <p:txBody>
+              <a:bodyPr rtlCol="0" anchor="ctr"/>
+              <a:lstStyle/>
+              <a:p>
+                <a:pPr algn="ctr"/>
+                <a:endParaRPr lang="en-US" sz="1050"/>
+              </a:p>
+            </p:txBody>
+          </p:sp>
+          <p:sp>
+            <p:nvSpPr>
+              <p:cNvPr id="44" name="Rounded Rectangle 43"/>
+              <p:cNvSpPr/>
+              <p:nvPr/>
+            </p:nvSpPr>
+            <p:spPr>
+              <a:xfrm>
+                <a:off x="834670" y="3180536"/>
+                <a:ext cx="1177010" cy="248330"/>
+              </a:xfrm>
+              <a:prstGeom prst="roundRect">
+                <a:avLst>
+                  <a:gd name="adj" fmla="val 19913"/>
+                </a:avLst>
+              </a:prstGeom>
+            </p:spPr>
+            <p:style>
+              <a:lnRef idx="2">
+                <a:schemeClr val="accent1">
+                  <a:shade val="50000"/>
+                </a:schemeClr>
+              </a:lnRef>
+              <a:fillRef idx="1">
+                <a:schemeClr val="accent1"/>
+              </a:fillRef>
+              <a:effectRef idx="0">
+                <a:schemeClr val="accent1"/>
+              </a:effectRef>
+              <a:fontRef idx="minor">
+                <a:schemeClr val="lt1"/>
+              </a:fontRef>
+            </p:style>
+            <p:txBody>
+              <a:bodyPr rtlCol="0" anchor="ctr"/>
+              <a:lstStyle/>
+              <a:p>
+                <a:pPr algn="ctr"/>
+                <a:r>
+                  <a:rPr lang="en-US" sz="900" dirty="0" smtClean="0"/>
+                  <a:t>2 hours left</a:t>
+                </a:r>
+                <a:endParaRPr lang="en-US" sz="900" dirty="0" smtClean="0"/>
+              </a:p>
+            </p:txBody>
+          </p:sp>
+        </p:grpSp>
+        <p:grpSp>
+          <p:nvGrpSpPr>
+            <p:cNvPr id="45" name="Group 44"/>
+            <p:cNvGrpSpPr/>
+            <p:nvPr/>
+          </p:nvGrpSpPr>
+          <p:grpSpPr>
+            <a:xfrm>
+              <a:off x="6179349" y="2281282"/>
+              <a:ext cx="813842" cy="842921"/>
+              <a:chOff x="834670" y="2209800"/>
+              <a:chExt cx="1177010" cy="1219066"/>
+            </a:xfrm>
+          </p:grpSpPr>
+          <p:sp>
+            <p:nvSpPr>
+              <p:cNvPr id="46" name="Rectangle 45"/>
+              <p:cNvSpPr/>
+              <p:nvPr/>
+            </p:nvSpPr>
+            <p:spPr>
+              <a:xfrm>
+                <a:off x="851366" y="2209800"/>
+                <a:ext cx="1143618" cy="1143622"/>
+              </a:xfrm>
+              <a:prstGeom prst="rect">
+                <a:avLst/>
+              </a:prstGeom>
+            </p:spPr>
+            <p:style>
+              <a:lnRef idx="2">
+                <a:schemeClr val="accent4">
+                  <a:shade val="50000"/>
+                </a:schemeClr>
+              </a:lnRef>
+              <a:fillRef idx="1">
+                <a:schemeClr val="accent4"/>
+              </a:fillRef>
+              <a:effectRef idx="0">
+                <a:schemeClr val="accent4"/>
+              </a:effectRef>
+              <a:fontRef idx="minor">
+                <a:schemeClr val="lt1"/>
+              </a:fontRef>
+            </p:style>
+            <p:txBody>
+              <a:bodyPr rtlCol="0" anchor="ctr"/>
+              <a:lstStyle/>
+              <a:p>
+                <a:pPr algn="ctr"/>
+                <a:endParaRPr lang="en-US" sz="1050"/>
+              </a:p>
+            </p:txBody>
+          </p:sp>
+          <p:sp>
+            <p:nvSpPr>
+              <p:cNvPr id="47" name="Rounded Rectangle 46"/>
+              <p:cNvSpPr/>
+              <p:nvPr/>
+            </p:nvSpPr>
+            <p:spPr>
+              <a:xfrm>
+                <a:off x="834670" y="3180536"/>
+                <a:ext cx="1177010" cy="248330"/>
+              </a:xfrm>
+              <a:prstGeom prst="roundRect">
+                <a:avLst>
+                  <a:gd name="adj" fmla="val 19913"/>
+                </a:avLst>
+              </a:prstGeom>
+            </p:spPr>
+            <p:style>
+              <a:lnRef idx="2">
+                <a:schemeClr val="accent1">
+                  <a:shade val="50000"/>
+                </a:schemeClr>
+              </a:lnRef>
+              <a:fillRef idx="1">
+                <a:schemeClr val="accent1"/>
+              </a:fillRef>
+              <a:effectRef idx="0">
+                <a:schemeClr val="accent1"/>
+              </a:effectRef>
+              <a:fontRef idx="minor">
+                <a:schemeClr val="lt1"/>
+              </a:fontRef>
+            </p:style>
+            <p:txBody>
+              <a:bodyPr rtlCol="0" anchor="ctr"/>
+              <a:lstStyle/>
+              <a:p>
+                <a:pPr algn="ctr"/>
+                <a:r>
+                  <a:rPr lang="en-US" sz="900" dirty="0" smtClean="0"/>
+                  <a:t>3 </a:t>
+                </a:r>
+                <a:r>
+                  <a:rPr lang="en-US" sz="900" dirty="0" err="1" smtClean="0"/>
+                  <a:t>mins</a:t>
+                </a:r>
+                <a:r>
+                  <a:rPr lang="en-US" sz="900" dirty="0" smtClean="0"/>
+                  <a:t> </a:t>
+                </a:r>
+                <a:r>
+                  <a:rPr lang="en-US" sz="900" dirty="0" smtClean="0"/>
+                  <a:t>left</a:t>
+                </a:r>
+              </a:p>
+            </p:txBody>
+          </p:sp>
+        </p:grpSp>
+        <p:sp>
+          <p:nvSpPr>
+            <p:cNvPr id="48" name="Rectangle 47"/>
+            <p:cNvSpPr/>
+            <p:nvPr/>
+          </p:nvSpPr>
+          <p:spPr>
+            <a:xfrm>
+              <a:off x="3796421" y="2152196"/>
+              <a:ext cx="4890379" cy="1082746"/>
+            </a:xfrm>
+            <a:prstGeom prst="rect">
+              <a:avLst/>
+            </a:prstGeom>
+            <a:noFill/>
+          </p:spPr>
+          <p:style>
+            <a:lnRef idx="2">
+              <a:schemeClr val="accent1">
+                <a:shade val="50000"/>
+              </a:schemeClr>
+            </a:lnRef>
+            <a:fillRef idx="1">
+              <a:schemeClr val="accent1"/>
+            </a:fillRef>
+            <a:effectRef idx="0">
+              <a:schemeClr val="accent1"/>
+            </a:effectRef>
+            <a:fontRef idx="minor">
+              <a:schemeClr val="lt1"/>
+            </a:fontRef>
+          </p:style>
+          <p:txBody>
+            <a:bodyPr rtlCol="0" anchor="ctr"/>
+            <a:lstStyle/>
+            <a:p>
+              <a:pPr algn="ctr"/>
+              <a:endParaRPr lang="en-US"/>
+            </a:p>
+          </p:txBody>
+        </p:sp>
+        <p:sp>
+          <p:nvSpPr>
+            <p:cNvPr id="49" name="Rectangle 48"/>
+            <p:cNvSpPr/>
+            <p:nvPr/>
+          </p:nvSpPr>
+          <p:spPr>
+            <a:xfrm>
+              <a:off x="2018189" y="2152196"/>
+              <a:ext cx="1778232" cy="1082746"/>
+            </a:xfrm>
+            <a:prstGeom prst="rect">
+              <a:avLst/>
+            </a:prstGeom>
+            <a:noFill/>
+          </p:spPr>
+          <p:style>
+            <a:lnRef idx="2">
+              <a:schemeClr val="accent1">
+                <a:shade val="50000"/>
+              </a:schemeClr>
+            </a:lnRef>
+            <a:fillRef idx="1">
+              <a:schemeClr val="accent1"/>
+            </a:fillRef>
+            <a:effectRef idx="0">
+              <a:schemeClr val="accent1"/>
+            </a:effectRef>
+            <a:fontRef idx="minor">
+              <a:schemeClr val="lt1"/>
+            </a:fontRef>
+          </p:style>
+          <p:txBody>
+            <a:bodyPr rtlCol="0" anchor="ctr"/>
+            <a:lstStyle/>
+            <a:p>
+              <a:pPr algn="ctr"/>
+              <a:r>
+                <a:rPr lang="en-US" dirty="0" smtClean="0">
+                  <a:solidFill>
+                    <a:schemeClr val="tx1"/>
+                  </a:solidFill>
+                </a:rPr>
+                <a:t>Plan A: 1 time units + “left”</a:t>
+              </a:r>
+              <a:endParaRPr lang="en-US" dirty="0">
+                <a:solidFill>
+                  <a:schemeClr val="tx1"/>
+                </a:solidFill>
+              </a:endParaRPr>
+            </a:p>
+          </p:txBody>
+        </p:sp>
+        <p:grpSp>
+          <p:nvGrpSpPr>
+            <p:cNvPr id="50" name="Group 49"/>
+            <p:cNvGrpSpPr/>
+            <p:nvPr/>
+          </p:nvGrpSpPr>
+          <p:grpSpPr>
+            <a:xfrm>
+              <a:off x="7218530" y="2281282"/>
+              <a:ext cx="813842" cy="842921"/>
+              <a:chOff x="834670" y="2209800"/>
+              <a:chExt cx="1177010" cy="1219066"/>
+            </a:xfrm>
+          </p:grpSpPr>
+          <p:sp>
+            <p:nvSpPr>
+              <p:cNvPr id="51" name="Rectangle 50"/>
+              <p:cNvSpPr/>
+              <p:nvPr/>
+            </p:nvSpPr>
+            <p:spPr>
+              <a:xfrm>
+                <a:off x="851366" y="2209800"/>
+                <a:ext cx="1143618" cy="1143622"/>
+              </a:xfrm>
+              <a:prstGeom prst="rect">
+                <a:avLst/>
+              </a:prstGeom>
+            </p:spPr>
+            <p:style>
+              <a:lnRef idx="2">
+                <a:schemeClr val="accent4">
+                  <a:shade val="50000"/>
+                </a:schemeClr>
+              </a:lnRef>
+              <a:fillRef idx="1">
+                <a:schemeClr val="accent4"/>
+              </a:fillRef>
+              <a:effectRef idx="0">
+                <a:schemeClr val="accent4"/>
+              </a:effectRef>
+              <a:fontRef idx="minor">
+                <a:schemeClr val="lt1"/>
+              </a:fontRef>
+            </p:style>
+            <p:txBody>
+              <a:bodyPr rtlCol="0" anchor="ctr"/>
+              <a:lstStyle/>
+              <a:p>
+                <a:pPr algn="ctr"/>
+                <a:endParaRPr lang="en-US" sz="1050"/>
+              </a:p>
+            </p:txBody>
+          </p:sp>
+          <p:sp>
+            <p:nvSpPr>
+              <p:cNvPr id="52" name="Rounded Rectangle 51"/>
+              <p:cNvSpPr/>
+              <p:nvPr/>
+            </p:nvSpPr>
+            <p:spPr>
+              <a:xfrm>
+                <a:off x="834670" y="3180536"/>
+                <a:ext cx="1177010" cy="248330"/>
+              </a:xfrm>
+              <a:prstGeom prst="roundRect">
+                <a:avLst>
+                  <a:gd name="adj" fmla="val 19913"/>
+                </a:avLst>
+              </a:prstGeom>
+            </p:spPr>
+            <p:style>
+              <a:lnRef idx="2">
+                <a:schemeClr val="accent1">
+                  <a:shade val="50000"/>
+                </a:schemeClr>
+              </a:lnRef>
+              <a:fillRef idx="1">
+                <a:schemeClr val="accent1"/>
+              </a:fillRef>
+              <a:effectRef idx="0">
+                <a:schemeClr val="accent1"/>
+              </a:effectRef>
+              <a:fontRef idx="minor">
+                <a:schemeClr val="lt1"/>
+              </a:fontRef>
+            </p:style>
+            <p:txBody>
+              <a:bodyPr rtlCol="0" anchor="ctr"/>
+              <a:lstStyle/>
+              <a:p>
+                <a:pPr algn="ctr"/>
+                <a:r>
+                  <a:rPr lang="en-US" sz="900" dirty="0" smtClean="0"/>
+                  <a:t>3 </a:t>
+                </a:r>
+                <a:r>
+                  <a:rPr lang="en-US" sz="900" dirty="0" err="1" smtClean="0"/>
+                  <a:t>secs</a:t>
+                </a:r>
+                <a:r>
+                  <a:rPr lang="en-US" sz="900" dirty="0" smtClean="0"/>
+                  <a:t> </a:t>
+                </a:r>
+                <a:r>
+                  <a:rPr lang="en-US" sz="900" dirty="0" smtClean="0"/>
+                  <a:t>left</a:t>
+                </a:r>
+                <a:endParaRPr lang="en-US" sz="900" dirty="0" smtClean="0"/>
+              </a:p>
+            </p:txBody>
+          </p:sp>
+        </p:grpSp>
+      </p:grpSp>
+    </p:spTree>
+  </p:cSld>
+  <p:clrMapOvr>
+    <a:masterClrMapping/>
+  </p:clrMapOvr>
+</p:sld>
+</file>
+
+<file path=ppt/slides/slide18.xml><?xml version="1.0" encoding="utf-8"?>
+<p:sld xmlns:a="http://schemas.openxmlformats.org/drawingml/2006/main" xmlns:r="http://schemas.openxmlformats.org/officeDocument/2006/relationships" xmlns:p="http://schemas.openxmlformats.org/presentationml/2006/main">
+  <p:cSld>
+    <p:spTree>
+      <p:nvGrpSpPr>
+        <p:cNvPr id="1" name=""/>
+        <p:cNvGrpSpPr/>
+        <p:nvPr/>
+      </p:nvGrpSpPr>
+      <p:grpSpPr>
+        <a:xfrm>
+          <a:off x="0" y="0"/>
+          <a:ext cx="0" cy="0"/>
+          <a:chOff x="0" y="0"/>
+          <a:chExt cx="0" cy="0"/>
+        </a:xfrm>
+      </p:grpSpPr>
+      <p:sp>
+        <p:nvSpPr>
+          <p:cNvPr id="2" name="Title 1"/>
+          <p:cNvSpPr>
+            <a:spLocks noGrp="1"/>
+          </p:cNvSpPr>
+          <p:nvPr>
+            <p:ph type="title"/>
+          </p:nvPr>
+        </p:nvSpPr>
+        <p:spPr/>
+        <p:txBody>
+          <a:bodyPr/>
+          <a:lstStyle/>
+          <a:p>
+            <a:r>
+              <a:rPr lang="en-US" dirty="0" smtClean="0"/>
               <a:t>Quest Giver</a:t>
             </a:r>
             <a:endParaRPr lang="en-US" dirty="0"/>
@@ -8426,21 +10093,12 @@
               <a:rPr lang="en-US" dirty="0" smtClean="0"/>
               <a:t>Trigger:</a:t>
             </a:r>
-            <a:endParaRPr lang="en-US" dirty="0" smtClean="0"/>
           </a:p>
           <a:p>
             <a:pPr lvl="1"/>
             <a:r>
               <a:rPr lang="en-US" dirty="0" smtClean="0"/>
-              <a:t>“!” sign on the </a:t>
-            </a:r>
-            <a:r>
-              <a:rPr lang="en-US" dirty="0" smtClean="0"/>
-              <a:t>location / </a:t>
-            </a:r>
-            <a:r>
-              <a:rPr lang="en-US" dirty="0" smtClean="0"/>
-              <a:t>After player found 1</a:t>
+              <a:t>“!” sign on the location / After player found 1</a:t>
             </a:r>
             <a:r>
               <a:rPr lang="en-US" baseline="30000" dirty="0" smtClean="0"/>
@@ -8450,25 +10108,12 @@
               <a:rPr lang="en-US" dirty="0" smtClean="0"/>
               <a:t> evidence</a:t>
             </a:r>
-            <a:endParaRPr lang="en-US" dirty="0" smtClean="0"/>
           </a:p>
           <a:p>
             <a:pPr lvl="1"/>
             <a:r>
               <a:rPr lang="en-US" dirty="0" smtClean="0"/>
-              <a:t>Empathy quests within </a:t>
-            </a:r>
-            <a:r>
-              <a:rPr lang="en-US" dirty="0" smtClean="0"/>
-              <a:t>one location </a:t>
-            </a:r>
-            <a:r>
-              <a:rPr lang="en-US" dirty="0" smtClean="0"/>
-              <a:t>are </a:t>
-            </a:r>
-            <a:r>
-              <a:rPr lang="en-US" dirty="0" smtClean="0"/>
-              <a:t>chained</a:t>
+              <a:t>Empathy quests within one location are chained</a:t>
             </a:r>
           </a:p>
           <a:p>
@@ -8481,11 +10126,7 @@
             <a:pPr lvl="1"/>
             <a:r>
               <a:rPr lang="en-US" dirty="0" smtClean="0"/>
-              <a:t>Normal </a:t>
-            </a:r>
-            <a:r>
-              <a:rPr lang="en-US" dirty="0" smtClean="0"/>
-              <a:t>+ Rep</a:t>
+              <a:t>Normal + Rep</a:t>
             </a:r>
           </a:p>
           <a:p>
